--- a/docs/picture editing.pptx
+++ b/docs/picture editing.pptx
@@ -104,6 +104,11 @@
       </a:defRPr>
     </a:lvl9pPr>
   </p:defaultTextStyle>
+  <p:extLst>
+    <p:ext uri="{EFAFB233-063F-42B5-8137-9DF3F51BA10A}">
+      <p15:sldGuideLst xmlns:p15="http://schemas.microsoft.com/office/powerpoint/2012/main"/>
+    </p:ext>
+  </p:extLst>
 </p:presentation>
 </file>
 
@@ -254,7 +259,7 @@
           <a:p>
             <a:fld id="{A3B5A62A-CC8A-8547-89D3-5A32FCFABCAA}" type="datetimeFigureOut">
               <a:rPr lang="en-US" smtClean="0"/>
-              <a:t>1/13/23</a:t>
+              <a:t>3/2/23</a:t>
             </a:fld>
             <a:endParaRPr lang="en-US"/>
           </a:p>
@@ -452,7 +457,7 @@
           <a:p>
             <a:fld id="{A3B5A62A-CC8A-8547-89D3-5A32FCFABCAA}" type="datetimeFigureOut">
               <a:rPr lang="en-US" smtClean="0"/>
-              <a:t>1/13/23</a:t>
+              <a:t>3/2/23</a:t>
             </a:fld>
             <a:endParaRPr lang="en-US"/>
           </a:p>
@@ -660,7 +665,7 @@
           <a:p>
             <a:fld id="{A3B5A62A-CC8A-8547-89D3-5A32FCFABCAA}" type="datetimeFigureOut">
               <a:rPr lang="en-US" smtClean="0"/>
-              <a:t>1/13/23</a:t>
+              <a:t>3/2/23</a:t>
             </a:fld>
             <a:endParaRPr lang="en-US"/>
           </a:p>
@@ -858,7 +863,7 @@
           <a:p>
             <a:fld id="{A3B5A62A-CC8A-8547-89D3-5A32FCFABCAA}" type="datetimeFigureOut">
               <a:rPr lang="en-US" smtClean="0"/>
-              <a:t>1/13/23</a:t>
+              <a:t>3/2/23</a:t>
             </a:fld>
             <a:endParaRPr lang="en-US"/>
           </a:p>
@@ -1133,7 +1138,7 @@
           <a:p>
             <a:fld id="{A3B5A62A-CC8A-8547-89D3-5A32FCFABCAA}" type="datetimeFigureOut">
               <a:rPr lang="en-US" smtClean="0"/>
-              <a:t>1/13/23</a:t>
+              <a:t>3/2/23</a:t>
             </a:fld>
             <a:endParaRPr lang="en-US"/>
           </a:p>
@@ -1398,7 +1403,7 @@
           <a:p>
             <a:fld id="{A3B5A62A-CC8A-8547-89D3-5A32FCFABCAA}" type="datetimeFigureOut">
               <a:rPr lang="en-US" smtClean="0"/>
-              <a:t>1/13/23</a:t>
+              <a:t>3/2/23</a:t>
             </a:fld>
             <a:endParaRPr lang="en-US"/>
           </a:p>
@@ -1810,7 +1815,7 @@
           <a:p>
             <a:fld id="{A3B5A62A-CC8A-8547-89D3-5A32FCFABCAA}" type="datetimeFigureOut">
               <a:rPr lang="en-US" smtClean="0"/>
-              <a:t>1/13/23</a:t>
+              <a:t>3/2/23</a:t>
             </a:fld>
             <a:endParaRPr lang="en-US"/>
           </a:p>
@@ -1951,7 +1956,7 @@
           <a:p>
             <a:fld id="{A3B5A62A-CC8A-8547-89D3-5A32FCFABCAA}" type="datetimeFigureOut">
               <a:rPr lang="en-US" smtClean="0"/>
-              <a:t>1/13/23</a:t>
+              <a:t>3/2/23</a:t>
             </a:fld>
             <a:endParaRPr lang="en-US"/>
           </a:p>
@@ -2064,7 +2069,7 @@
           <a:p>
             <a:fld id="{A3B5A62A-CC8A-8547-89D3-5A32FCFABCAA}" type="datetimeFigureOut">
               <a:rPr lang="en-US" smtClean="0"/>
-              <a:t>1/13/23</a:t>
+              <a:t>3/2/23</a:t>
             </a:fld>
             <a:endParaRPr lang="en-US"/>
           </a:p>
@@ -2375,7 +2380,7 @@
           <a:p>
             <a:fld id="{A3B5A62A-CC8A-8547-89D3-5A32FCFABCAA}" type="datetimeFigureOut">
               <a:rPr lang="en-US" smtClean="0"/>
-              <a:t>1/13/23</a:t>
+              <a:t>3/2/23</a:t>
             </a:fld>
             <a:endParaRPr lang="en-US"/>
           </a:p>
@@ -2663,7 +2668,7 @@
           <a:p>
             <a:fld id="{A3B5A62A-CC8A-8547-89D3-5A32FCFABCAA}" type="datetimeFigureOut">
               <a:rPr lang="en-US" smtClean="0"/>
-              <a:t>1/13/23</a:t>
+              <a:t>3/2/23</a:t>
             </a:fld>
             <a:endParaRPr lang="en-US"/>
           </a:p>
@@ -2904,7 +2909,7 @@
           <a:p>
             <a:fld id="{A3B5A62A-CC8A-8547-89D3-5A32FCFABCAA}" type="datetimeFigureOut">
               <a:rPr lang="en-US" smtClean="0"/>
-              <a:t>1/13/23</a:t>
+              <a:t>3/2/23</a:t>
             </a:fld>
             <a:endParaRPr lang="en-US"/>
           </a:p>
@@ -3321,87 +3326,66 @@
           <a:chExt cx="0" cy="0"/>
         </a:xfrm>
       </p:grpSpPr>
-      <p:grpSp>
-        <p:nvGrpSpPr>
-          <p:cNvPr id="9" name="Group 8">
-            <a:extLst>
-              <a:ext uri="{FF2B5EF4-FFF2-40B4-BE49-F238E27FC236}">
-                <a16:creationId xmlns:a16="http://schemas.microsoft.com/office/drawing/2014/main" id="{FFBA4023-C631-7FDA-9761-D08C6737B4D2}"/>
-              </a:ext>
-            </a:extLst>
-          </p:cNvPr>
-          <p:cNvGrpSpPr/>
+      <p:pic>
+        <p:nvPicPr>
+          <p:cNvPr id="11" name="Picture 10" descr="Map&#10;&#10;Description automatically generated">
+            <a:extLst>
+              <a:ext uri="{FF2B5EF4-FFF2-40B4-BE49-F238E27FC236}">
+                <a16:creationId xmlns:a16="http://schemas.microsoft.com/office/drawing/2014/main" id="{38427BC6-60DB-0B98-7E7D-38932412DBE3}"/>
+              </a:ext>
+            </a:extLst>
+          </p:cNvPr>
+          <p:cNvPicPr>
+            <a:picLocks noChangeAspect="1"/>
+          </p:cNvPicPr>
           <p:nvPr/>
-        </p:nvGrpSpPr>
-        <p:grpSpPr>
+        </p:nvPicPr>
+        <p:blipFill>
+          <a:blip r:embed="rId2"/>
+          <a:stretch>
+            <a:fillRect/>
+          </a:stretch>
+        </p:blipFill>
+        <p:spPr>
           <a:xfrm>
-            <a:off x="1896815" y="798786"/>
-            <a:ext cx="8398370" cy="2936146"/>
-            <a:chOff x="1809750" y="2827283"/>
-            <a:chExt cx="8398370" cy="2936146"/>
+            <a:off x="6281546" y="1115976"/>
+            <a:ext cx="5019867" cy="2627349"/>
           </a:xfrm>
-        </p:grpSpPr>
-        <p:pic>
-          <p:nvPicPr>
-            <p:cNvPr id="10" name="Picture 9" descr="Chart, histogram&#10;&#10;Description automatically generated">
-              <a:extLst>
-                <a:ext uri="{FF2B5EF4-FFF2-40B4-BE49-F238E27FC236}">
-                  <a16:creationId xmlns:a16="http://schemas.microsoft.com/office/drawing/2014/main" id="{81CC2B41-D046-024E-391B-6D0736140BFA}"/>
-                </a:ext>
-              </a:extLst>
-            </p:cNvPr>
-            <p:cNvPicPr>
-              <a:picLocks noChangeAspect="1"/>
-            </p:cNvPicPr>
-            <p:nvPr/>
-          </p:nvPicPr>
-          <p:blipFill>
-            <a:blip r:embed="rId2"/>
-            <a:stretch>
-              <a:fillRect/>
-            </a:stretch>
-          </p:blipFill>
-          <p:spPr>
-            <a:xfrm>
-              <a:off x="1809750" y="2827283"/>
-              <a:ext cx="4384732" cy="2936146"/>
-            </a:xfrm>
-            <a:prstGeom prst="rect">
-              <a:avLst/>
-            </a:prstGeom>
-          </p:spPr>
-        </p:pic>
-        <p:pic>
-          <p:nvPicPr>
-            <p:cNvPr id="11" name="Picture 10" descr="Map&#10;&#10;Description automatically generated">
-              <a:extLst>
-                <a:ext uri="{FF2B5EF4-FFF2-40B4-BE49-F238E27FC236}">
-                  <a16:creationId xmlns:a16="http://schemas.microsoft.com/office/drawing/2014/main" id="{38427BC6-60DB-0B98-7E7D-38932412DBE3}"/>
-                </a:ext>
-              </a:extLst>
-            </p:cNvPr>
-            <p:cNvPicPr>
-              <a:picLocks noChangeAspect="1"/>
-            </p:cNvPicPr>
-            <p:nvPr/>
-          </p:nvPicPr>
-          <p:blipFill>
-            <a:blip r:embed="rId3"/>
-            <a:stretch>
-              <a:fillRect/>
-            </a:stretch>
-          </p:blipFill>
-          <p:spPr>
-            <a:xfrm>
-              <a:off x="6194482" y="3144473"/>
-              <a:ext cx="4013638" cy="2469931"/>
-            </a:xfrm>
-            <a:prstGeom prst="rect">
-              <a:avLst/>
-            </a:prstGeom>
-          </p:spPr>
-        </p:pic>
-      </p:grpSp>
+          <a:prstGeom prst="rect">
+            <a:avLst/>
+          </a:prstGeom>
+        </p:spPr>
+      </p:pic>
+      <p:pic>
+        <p:nvPicPr>
+          <p:cNvPr id="7" name="Picture 6" descr="Chart, bar chart, histogram&#10;&#10;Description automatically generated">
+            <a:extLst>
+              <a:ext uri="{FF2B5EF4-FFF2-40B4-BE49-F238E27FC236}">
+                <a16:creationId xmlns:a16="http://schemas.microsoft.com/office/drawing/2014/main" id="{72DE05B7-C616-36A0-CEE8-DCA3D5E87D4C}"/>
+              </a:ext>
+            </a:extLst>
+          </p:cNvPr>
+          <p:cNvPicPr>
+            <a:picLocks noChangeAspect="1"/>
+          </p:cNvPicPr>
+          <p:nvPr/>
+        </p:nvPicPr>
+        <p:blipFill>
+          <a:blip r:embed="rId3"/>
+          <a:stretch>
+            <a:fillRect/>
+          </a:stretch>
+        </p:blipFill>
+        <p:spPr>
+          <a:xfrm>
+            <a:off x="793755" y="1115976"/>
+            <a:ext cx="5459413" cy="2627349"/>
+          </a:xfrm>
+          <a:prstGeom prst="rect">
+            <a:avLst/>
+          </a:prstGeom>
+        </p:spPr>
+      </p:pic>
     </p:spTree>
     <p:extLst>
       <p:ext uri="{BB962C8B-B14F-4D97-AF65-F5344CB8AC3E}">
